--- a/TechnicalDocs/Text2Image_grader_JaneH_0126.pptx
+++ b/TechnicalDocs/Text2Image_grader_JaneH_0126.pptx
@@ -16541,7 +16541,7 @@
           <a:p>
             <a:fld id="{20B8BD5F-4FA8-4FD7-A259-569559E62F79}" type="datetimeFigureOut">
               <a:rPr lang="en-US" smtClean="0"/>
-              <a:t>1/21/2026</a:t>
+              <a:t>1/27/2026</a:t>
             </a:fld>
             <a:endParaRPr lang="en-US"/>
           </a:p>
@@ -17213,7 +17213,7 @@
           <a:p>
             <a:fld id="{5BCAD085-E8A6-8845-BD4E-CB4CCA059FC4}" type="datetimeFigureOut">
               <a:rPr lang="en-US" smtClean="0"/>
-              <a:t>1/21/2026</a:t>
+              <a:t>1/27/2026</a:t>
             </a:fld>
             <a:endParaRPr lang="en-US"/>
           </a:p>
@@ -17411,7 +17411,7 @@
           <a:p>
             <a:fld id="{5BCAD085-E8A6-8845-BD4E-CB4CCA059FC4}" type="datetimeFigureOut">
               <a:rPr lang="en-US" smtClean="0"/>
-              <a:t>1/21/2026</a:t>
+              <a:t>1/27/2026</a:t>
             </a:fld>
             <a:endParaRPr lang="en-US"/>
           </a:p>
@@ -17619,7 +17619,7 @@
           <a:p>
             <a:fld id="{5BCAD085-E8A6-8845-BD4E-CB4CCA059FC4}" type="datetimeFigureOut">
               <a:rPr lang="en-US" smtClean="0"/>
-              <a:t>1/21/2026</a:t>
+              <a:t>1/27/2026</a:t>
             </a:fld>
             <a:endParaRPr lang="en-US"/>
           </a:p>
@@ -17817,7 +17817,7 @@
           <a:p>
             <a:fld id="{5BCAD085-E8A6-8845-BD4E-CB4CCA059FC4}" type="datetimeFigureOut">
               <a:rPr lang="en-US" smtClean="0"/>
-              <a:t>1/21/2026</a:t>
+              <a:t>1/27/2026</a:t>
             </a:fld>
             <a:endParaRPr lang="en-US"/>
           </a:p>
@@ -18092,7 +18092,7 @@
           <a:p>
             <a:fld id="{5BCAD085-E8A6-8845-BD4E-CB4CCA059FC4}" type="datetimeFigureOut">
               <a:rPr lang="en-US" smtClean="0"/>
-              <a:t>1/21/2026</a:t>
+              <a:t>1/27/2026</a:t>
             </a:fld>
             <a:endParaRPr lang="en-US"/>
           </a:p>
@@ -18357,7 +18357,7 @@
           <a:p>
             <a:fld id="{5BCAD085-E8A6-8845-BD4E-CB4CCA059FC4}" type="datetimeFigureOut">
               <a:rPr lang="en-US" smtClean="0"/>
-              <a:t>1/21/2026</a:t>
+              <a:t>1/27/2026</a:t>
             </a:fld>
             <a:endParaRPr lang="en-US"/>
           </a:p>
@@ -18769,7 +18769,7 @@
           <a:p>
             <a:fld id="{5BCAD085-E8A6-8845-BD4E-CB4CCA059FC4}" type="datetimeFigureOut">
               <a:rPr lang="en-US" smtClean="0"/>
-              <a:t>1/21/2026</a:t>
+              <a:t>1/27/2026</a:t>
             </a:fld>
             <a:endParaRPr lang="en-US"/>
           </a:p>
@@ -18910,7 +18910,7 @@
           <a:p>
             <a:fld id="{5BCAD085-E8A6-8845-BD4E-CB4CCA059FC4}" type="datetimeFigureOut">
               <a:rPr lang="en-US" smtClean="0"/>
-              <a:t>1/21/2026</a:t>
+              <a:t>1/27/2026</a:t>
             </a:fld>
             <a:endParaRPr lang="en-US"/>
           </a:p>
@@ -19023,7 +19023,7 @@
           <a:p>
             <a:fld id="{5BCAD085-E8A6-8845-BD4E-CB4CCA059FC4}" type="datetimeFigureOut">
               <a:rPr lang="en-US" smtClean="0"/>
-              <a:t>1/21/2026</a:t>
+              <a:t>1/27/2026</a:t>
             </a:fld>
             <a:endParaRPr lang="en-US"/>
           </a:p>
@@ -19334,7 +19334,7 @@
           <a:p>
             <a:fld id="{5BCAD085-E8A6-8845-BD4E-CB4CCA059FC4}" type="datetimeFigureOut">
               <a:rPr lang="en-US" smtClean="0"/>
-              <a:t>1/21/2026</a:t>
+              <a:t>1/27/2026</a:t>
             </a:fld>
             <a:endParaRPr lang="en-US"/>
           </a:p>
@@ -19622,7 +19622,7 @@
           <a:p>
             <a:fld id="{5BCAD085-E8A6-8845-BD4E-CB4CCA059FC4}" type="datetimeFigureOut">
               <a:rPr lang="en-US" smtClean="0"/>
-              <a:t>1/21/2026</a:t>
+              <a:t>1/27/2026</a:t>
             </a:fld>
             <a:endParaRPr lang="en-US"/>
           </a:p>
@@ -19863,7 +19863,7 @@
           <a:p>
             <a:fld id="{5BCAD085-E8A6-8845-BD4E-CB4CCA059FC4}" type="datetimeFigureOut">
               <a:rPr lang="en-US" smtClean="0"/>
-              <a:t>1/21/2026</a:t>
+              <a:t>1/27/2026</a:t>
             </a:fld>
             <a:endParaRPr lang="en-US"/>
           </a:p>
